--- a/bitwise.pptx
+++ b/bitwise.pptx
@@ -235,7 +235,7 @@
           <a:p>
             <a:fld id="{9A58CB77-92F1-7E47-9DA4-9DD8C61ED589}" type="datetimeFigureOut">
               <a:rPr lang="en-US" smtClean="0"/>
-              <a:t>12/11/18</a:t>
+              <a:t>12/12/18</a:t>
             </a:fld>
             <a:endParaRPr lang="en-US"/>
           </a:p>
@@ -7434,7 +7434,7 @@
           <a:p>
             <a:fld id="{ADEDE260-A783-9B44-98B4-E452A64D1D1F}" type="datetimeFigureOut">
               <a:rPr lang="en-US" smtClean="0"/>
-              <a:t>12/11/18</a:t>
+              <a:t>12/12/18</a:t>
             </a:fld>
             <a:endParaRPr lang="en-US"/>
           </a:p>
@@ -7632,7 +7632,7 @@
           <a:p>
             <a:fld id="{ADEDE260-A783-9B44-98B4-E452A64D1D1F}" type="datetimeFigureOut">
               <a:rPr lang="en-US" smtClean="0"/>
-              <a:t>12/11/18</a:t>
+              <a:t>12/12/18</a:t>
             </a:fld>
             <a:endParaRPr lang="en-US"/>
           </a:p>
@@ -7840,7 +7840,7 @@
           <a:p>
             <a:fld id="{ADEDE260-A783-9B44-98B4-E452A64D1D1F}" type="datetimeFigureOut">
               <a:rPr lang="en-US" smtClean="0"/>
-              <a:t>12/11/18</a:t>
+              <a:t>12/12/18</a:t>
             </a:fld>
             <a:endParaRPr lang="en-US"/>
           </a:p>
@@ -8038,7 +8038,7 @@
           <a:p>
             <a:fld id="{ADEDE260-A783-9B44-98B4-E452A64D1D1F}" type="datetimeFigureOut">
               <a:rPr lang="en-US" smtClean="0"/>
-              <a:t>12/11/18</a:t>
+              <a:t>12/12/18</a:t>
             </a:fld>
             <a:endParaRPr lang="en-US"/>
           </a:p>
@@ -8313,7 +8313,7 @@
           <a:p>
             <a:fld id="{ADEDE260-A783-9B44-98B4-E452A64D1D1F}" type="datetimeFigureOut">
               <a:rPr lang="en-US" smtClean="0"/>
-              <a:t>12/11/18</a:t>
+              <a:t>12/12/18</a:t>
             </a:fld>
             <a:endParaRPr lang="en-US"/>
           </a:p>
@@ -8578,7 +8578,7 @@
           <a:p>
             <a:fld id="{ADEDE260-A783-9B44-98B4-E452A64D1D1F}" type="datetimeFigureOut">
               <a:rPr lang="en-US" smtClean="0"/>
-              <a:t>12/11/18</a:t>
+              <a:t>12/12/18</a:t>
             </a:fld>
             <a:endParaRPr lang="en-US"/>
           </a:p>
@@ -8990,7 +8990,7 @@
           <a:p>
             <a:fld id="{ADEDE260-A783-9B44-98B4-E452A64D1D1F}" type="datetimeFigureOut">
               <a:rPr lang="en-US" smtClean="0"/>
-              <a:t>12/11/18</a:t>
+              <a:t>12/12/18</a:t>
             </a:fld>
             <a:endParaRPr lang="en-US"/>
           </a:p>
@@ -9131,7 +9131,7 @@
           <a:p>
             <a:fld id="{ADEDE260-A783-9B44-98B4-E452A64D1D1F}" type="datetimeFigureOut">
               <a:rPr lang="en-US" smtClean="0"/>
-              <a:t>12/11/18</a:t>
+              <a:t>12/12/18</a:t>
             </a:fld>
             <a:endParaRPr lang="en-US"/>
           </a:p>
@@ -9244,7 +9244,7 @@
           <a:p>
             <a:fld id="{ADEDE260-A783-9B44-98B4-E452A64D1D1F}" type="datetimeFigureOut">
               <a:rPr lang="en-US" smtClean="0"/>
-              <a:t>12/11/18</a:t>
+              <a:t>12/12/18</a:t>
             </a:fld>
             <a:endParaRPr lang="en-US"/>
           </a:p>
@@ -9555,7 +9555,7 @@
           <a:p>
             <a:fld id="{ADEDE260-A783-9B44-98B4-E452A64D1D1F}" type="datetimeFigureOut">
               <a:rPr lang="en-US" smtClean="0"/>
-              <a:t>12/11/18</a:t>
+              <a:t>12/12/18</a:t>
             </a:fld>
             <a:endParaRPr lang="en-US"/>
           </a:p>
@@ -9843,7 +9843,7 @@
           <a:p>
             <a:fld id="{ADEDE260-A783-9B44-98B4-E452A64D1D1F}" type="datetimeFigureOut">
               <a:rPr lang="en-US" smtClean="0"/>
-              <a:t>12/11/18</a:t>
+              <a:t>12/12/18</a:t>
             </a:fld>
             <a:endParaRPr lang="en-US"/>
           </a:p>
@@ -10084,7 +10084,7 @@
           <a:p>
             <a:fld id="{ADEDE260-A783-9B44-98B4-E452A64D1D1F}" type="datetimeFigureOut">
               <a:rPr lang="en-US" smtClean="0"/>
-              <a:t>12/11/18</a:t>
+              <a:t>12/12/18</a:t>
             </a:fld>
             <a:endParaRPr lang="en-US"/>
           </a:p>
@@ -22436,19 +22436,47 @@
         </p:nvSpPr>
         <p:spPr/>
         <p:txBody>
-          <a:bodyPr/>
+          <a:bodyPr>
+            <a:normAutofit fontScale="92500" lnSpcReduction="10000"/>
+          </a:bodyPr>
           <a:lstStyle/>
           <a:p>
             <a:r>
               <a:rPr lang="en-US" dirty="0"/>
               <a:t>Wikipedia page on Bitwise Operations:</a:t>
             </a:r>
+            <a:br>
+              <a:rPr lang="en-US" dirty="0"/>
+            </a:br>
+            <a:r>
+              <a:rPr lang="en-US" dirty="0">
+                <a:hlinkClick r:id="rId3"/>
+              </a:rPr>
+              <a:t>https://en.wikipedia.org/wiki/Bitwise_operation</a:t>
+            </a:r>
+            <a:r>
+              <a:rPr lang="en-US" dirty="0"/>
+              <a:t> </a:t>
+            </a:r>
           </a:p>
           <a:p>
             <a:r>
               <a:rPr lang="en-US" dirty="0"/>
               <a:t>ECMA-262 section on bitwise operations:</a:t>
             </a:r>
+            <a:br>
+              <a:rPr lang="en-US" dirty="0"/>
+            </a:br>
+            <a:r>
+              <a:rPr lang="en-US" dirty="0">
+                <a:hlinkClick r:id="rId4"/>
+              </a:rPr>
+              <a:t>https://www.ecma-international.org/ecma-262/9.0/index.html#sec-binary-bitwise-operators-runtime-semantics-evaluation</a:t>
+            </a:r>
+            <a:r>
+              <a:rPr lang="en-US" dirty="0"/>
+              <a:t> </a:t>
+            </a:r>
           </a:p>
           <a:p>
             <a:r>
@@ -22461,11 +22489,14 @@
             </a:r>
             <a:r>
               <a:rPr lang="en-US" dirty="0"/>
-              <a:t> tutorial on Bitwise Operations: </a:t>
-            </a:r>
+              <a:t> tutorial on Bitwise Operations</a:t>
+            </a:r>
+            <a:br>
+              <a:rPr lang="en-US" dirty="0"/>
+            </a:br>
             <a:r>
               <a:rPr lang="en-US" dirty="0">
-                <a:hlinkClick r:id="rId3"/>
+                <a:hlinkClick r:id="rId5"/>
               </a:rPr>
               <a:t>https://www.youtube.com/watch?v=NLKQEOgBAnw</a:t>
             </a:r>
@@ -22485,11 +22516,14 @@
             </a:r>
             <a:r>
               <a:rPr lang="en-US" dirty="0"/>
-              <a:t>: </a:t>
-            </a:r>
+              <a:t>:</a:t>
+            </a:r>
+            <a:br>
+              <a:rPr lang="en-US" dirty="0"/>
+            </a:br>
             <a:r>
               <a:rPr lang="en-US" dirty="0">
-                <a:hlinkClick r:id="rId4"/>
+                <a:hlinkClick r:id="rId6"/>
               </a:rPr>
               <a:t>https://github.com/daprahamian</a:t>
             </a:r>
@@ -22498,8 +22532,24 @@
           <a:p>
             <a:r>
               <a:rPr lang="en-US" dirty="0"/>
-              <a:t>Links to Slides: &lt;&gt;</a:t>
-            </a:r>
+              <a:t>Links to Slides:</a:t>
+            </a:r>
+            <a:br>
+              <a:rPr lang="en-US" dirty="0"/>
+            </a:br>
+            <a:r>
+              <a:rPr lang="en-US" dirty="0">
+                <a:hlinkClick r:id="rId7"/>
+              </a:rPr>
+              <a:t>https://github.com/daprahamian/bitwise-operations</a:t>
+            </a:r>
+            <a:endParaRPr lang="en-US" dirty="0"/>
+          </a:p>
+          <a:p>
+            <a:pPr marL="0" indent="0">
+              <a:buNone/>
+            </a:pPr>
+            <a:endParaRPr lang="en-US" dirty="0"/>
           </a:p>
         </p:txBody>
       </p:sp>

--- a/bitwise.pptx
+++ b/bitwise.pptx
@@ -5919,7 +5919,7 @@
           <a:p>
             <a:r>
               <a:rPr lang="en-US" dirty="0"/>
-              <a:t>and then add 1. S you would wind up with 10101001.</a:t>
+              <a:t>and then add 1. So you would wind up with 10101001.</a:t>
             </a:r>
           </a:p>
           <a:p>
@@ -6614,15 +6614,18 @@
               <a:tabLst/>
               <a:defRPr/>
             </a:pPr>
-            <a:endParaRPr lang="en-US" sz="1200" b="0" kern="1200" dirty="0">
-              <a:solidFill>
-                <a:schemeClr val="tx1"/>
-              </a:solidFill>
-              <a:effectLst/>
-              <a:latin typeface="+mn-lt"/>
-              <a:ea typeface="+mn-ea"/>
-              <a:cs typeface="+mn-cs"/>
-            </a:endParaRPr>
+            <a:r>
+              <a:rPr lang="en-US" sz="1200" b="0" kern="1200" dirty="0">
+                <a:solidFill>
+                  <a:schemeClr val="tx1"/>
+                </a:solidFill>
+                <a:effectLst/>
+                <a:latin typeface="+mn-lt"/>
+                <a:ea typeface="+mn-ea"/>
+                <a:cs typeface="+mn-cs"/>
+              </a:rPr>
+              <a:t>This would result in "true false false true",</a:t>
+            </a:r>
           </a:p>
           <a:p>
             <a:pPr marL="0" marR="0" lvl="0" indent="0" algn="l" defTabSz="914400" rtl="0" eaLnBrk="1" fontAlgn="auto" latinLnBrk="0" hangingPunct="1">
@@ -6642,18 +6645,15 @@
               <a:tabLst/>
               <a:defRPr/>
             </a:pPr>
-            <a:r>
-              <a:rPr lang="en-US" sz="1200" b="0" kern="1200" dirty="0">
-                <a:solidFill>
-                  <a:schemeClr val="tx1"/>
-                </a:solidFill>
-                <a:effectLst/>
-                <a:latin typeface="+mn-lt"/>
-                <a:ea typeface="+mn-ea"/>
-                <a:cs typeface="+mn-cs"/>
-              </a:rPr>
-              <a:t>This would result in "true false false true",</a:t>
-            </a:r>
+            <a:endParaRPr lang="en-US" sz="1200" b="0" kern="1200" dirty="0">
+              <a:solidFill>
+                <a:schemeClr val="tx1"/>
+              </a:solidFill>
+              <a:effectLst/>
+              <a:latin typeface="+mn-lt"/>
+              <a:ea typeface="+mn-ea"/>
+              <a:cs typeface="+mn-cs"/>
+            </a:endParaRPr>
           </a:p>
           <a:p>
             <a:pPr marL="0" marR="0" lvl="0" indent="0" algn="l" defTabSz="914400" rtl="0" eaLnBrk="1" fontAlgn="auto" latinLnBrk="0" hangingPunct="1">
@@ -6673,15 +6673,18 @@
               <a:tabLst/>
               <a:defRPr/>
             </a:pPr>
-            <a:endParaRPr lang="en-US" sz="1200" b="0" kern="1200" dirty="0">
-              <a:solidFill>
-                <a:schemeClr val="tx1"/>
-              </a:solidFill>
-              <a:effectLst/>
-              <a:latin typeface="+mn-lt"/>
-              <a:ea typeface="+mn-ea"/>
-              <a:cs typeface="+mn-cs"/>
-            </a:endParaRPr>
+            <a:r>
+              <a:rPr lang="en-US" sz="1200" b="0" kern="1200" dirty="0">
+                <a:solidFill>
+                  <a:schemeClr val="tx1"/>
+                </a:solidFill>
+                <a:effectLst/>
+                <a:latin typeface="+mn-lt"/>
+                <a:ea typeface="+mn-ea"/>
+                <a:cs typeface="+mn-cs"/>
+              </a:rPr>
+              <a:t>a.k.a. 1001</a:t>
+            </a:r>
           </a:p>
           <a:p>
             <a:pPr marL="0" marR="0" lvl="0" indent="0" algn="l" defTabSz="914400" rtl="0" eaLnBrk="1" fontAlgn="auto" latinLnBrk="0" hangingPunct="1">
@@ -6701,18 +6704,15 @@
               <a:tabLst/>
               <a:defRPr/>
             </a:pPr>
-            <a:r>
-              <a:rPr lang="en-US" sz="1200" b="0" kern="1200" dirty="0">
-                <a:solidFill>
-                  <a:schemeClr val="tx1"/>
-                </a:solidFill>
-                <a:effectLst/>
-                <a:latin typeface="+mn-lt"/>
-                <a:ea typeface="+mn-ea"/>
-                <a:cs typeface="+mn-cs"/>
-              </a:rPr>
-              <a:t>a.k.a. 1001</a:t>
-            </a:r>
+            <a:endParaRPr lang="en-US" sz="1200" b="0" kern="1200" dirty="0">
+              <a:solidFill>
+                <a:schemeClr val="tx1"/>
+              </a:solidFill>
+              <a:effectLst/>
+              <a:latin typeface="+mn-lt"/>
+              <a:ea typeface="+mn-ea"/>
+              <a:cs typeface="+mn-cs"/>
+            </a:endParaRPr>
           </a:p>
           <a:p>
             <a:pPr marL="0" marR="0" lvl="0" indent="0" algn="l" defTabSz="914400" rtl="0" eaLnBrk="1" fontAlgn="auto" latinLnBrk="0" hangingPunct="1">
@@ -6732,15 +6732,18 @@
               <a:tabLst/>
               <a:defRPr/>
             </a:pPr>
-            <a:endParaRPr lang="en-US" sz="1200" b="0" kern="1200" dirty="0">
-              <a:solidFill>
-                <a:schemeClr val="tx1"/>
-              </a:solidFill>
-              <a:effectLst/>
-              <a:latin typeface="+mn-lt"/>
-              <a:ea typeface="+mn-ea"/>
-              <a:cs typeface="+mn-cs"/>
-            </a:endParaRPr>
+            <a:r>
+              <a:rPr lang="en-US" sz="1200" b="0" kern="1200" dirty="0">
+                <a:solidFill>
+                  <a:schemeClr val="tx1"/>
+                </a:solidFill>
+                <a:effectLst/>
+                <a:latin typeface="+mn-lt"/>
+                <a:ea typeface="+mn-ea"/>
+                <a:cs typeface="+mn-cs"/>
+              </a:rPr>
+              <a:t>which, as an unsigned integer, is 9</a:t>
+            </a:r>
           </a:p>
           <a:p>
             <a:pPr marL="0" marR="0" lvl="0" indent="0" algn="l" defTabSz="914400" rtl="0" eaLnBrk="1" fontAlgn="auto" latinLnBrk="0" hangingPunct="1">
@@ -6760,18 +6763,15 @@
               <a:tabLst/>
               <a:defRPr/>
             </a:pPr>
-            <a:r>
-              <a:rPr lang="en-US" sz="1200" b="0" kern="1200" dirty="0">
-                <a:solidFill>
-                  <a:schemeClr val="tx1"/>
-                </a:solidFill>
-                <a:effectLst/>
-                <a:latin typeface="+mn-lt"/>
-                <a:ea typeface="+mn-ea"/>
-                <a:cs typeface="+mn-cs"/>
-              </a:rPr>
-              <a:t>a.k.a. 9 in unsigned binary, </a:t>
-            </a:r>
+            <a:endParaRPr lang="en-US" sz="1200" b="0" kern="1200" dirty="0">
+              <a:solidFill>
+                <a:schemeClr val="tx1"/>
+              </a:solidFill>
+              <a:effectLst/>
+              <a:latin typeface="+mn-lt"/>
+              <a:ea typeface="+mn-ea"/>
+              <a:cs typeface="+mn-cs"/>
+            </a:endParaRPr>
           </a:p>
           <a:p>
             <a:pPr marL="0" marR="0" lvl="0" indent="0" algn="l" defTabSz="914400" rtl="0" eaLnBrk="1" fontAlgn="auto" latinLnBrk="0" hangingPunct="1">
@@ -6791,34 +6791,6 @@
               <a:tabLst/>
               <a:defRPr/>
             </a:pPr>
-            <a:endParaRPr lang="en-US" sz="1200" b="0" kern="1200" dirty="0">
-              <a:solidFill>
-                <a:schemeClr val="tx1"/>
-              </a:solidFill>
-              <a:effectLst/>
-              <a:latin typeface="+mn-lt"/>
-              <a:ea typeface="+mn-ea"/>
-              <a:cs typeface="+mn-cs"/>
-            </a:endParaRPr>
-          </a:p>
-          <a:p>
-            <a:pPr marL="0" marR="0" lvl="0" indent="0" algn="l" defTabSz="914400" rtl="0" eaLnBrk="1" fontAlgn="auto" latinLnBrk="0" hangingPunct="1">
-              <a:lnSpc>
-                <a:spcPct val="100000"/>
-              </a:lnSpc>
-              <a:spcBef>
-                <a:spcPts val="0"/>
-              </a:spcBef>
-              <a:spcAft>
-                <a:spcPts val="0"/>
-              </a:spcAft>
-              <a:buClrTx/>
-              <a:buSzTx/>
-              <a:buFontTx/>
-              <a:buNone/>
-              <a:tabLst/>
-              <a:defRPr/>
-            </a:pPr>
             <a:r>
               <a:rPr lang="en-US" sz="1200" b="0" kern="1200" dirty="0">
                 <a:solidFill>
@@ -6829,10 +6801,8 @@
                 <a:ea typeface="+mn-ea"/>
                 <a:cs typeface="+mn-cs"/>
               </a:rPr>
-              <a:t>and -7 in twos compliment.</a:t>
-            </a:r>
-          </a:p>
-          <a:p>
+              <a:t>and, in Two's Compliment, is -7</a:t>
+            </a:r>
             <a:endParaRPr lang="en-US" dirty="0"/>
           </a:p>
         </p:txBody>
@@ -7432,7 +7402,7 @@
           <a:bodyPr/>
           <a:lstStyle/>
           <a:p>
-            <a:fld id="{ADEDE260-A783-9B44-98B4-E452A64D1D1F}" type="datetimeFigureOut">
+            <a:fld id="{6714D22C-0B79-C64D-867B-3BC98552BDDB}" type="datetime1">
               <a:rPr lang="en-US" smtClean="0"/>
               <a:t>12/12/18</a:t>
             </a:fld>
@@ -7461,7 +7431,10 @@
           <a:bodyPr/>
           <a:lstStyle/>
           <a:p>
-            <a:endParaRPr lang="en-US"/>
+            <a:r>
+              <a:rPr lang="en-US"/>
+              <a:t>Dan Aprahamian</a:t>
+            </a:r>
           </a:p>
         </p:txBody>
       </p:sp>
@@ -7630,7 +7603,7 @@
           <a:bodyPr/>
           <a:lstStyle/>
           <a:p>
-            <a:fld id="{ADEDE260-A783-9B44-98B4-E452A64D1D1F}" type="datetimeFigureOut">
+            <a:fld id="{EB9CF788-EAFD-114F-8350-4F83A22078DA}" type="datetime1">
               <a:rPr lang="en-US" smtClean="0"/>
               <a:t>12/12/18</a:t>
             </a:fld>
@@ -7659,7 +7632,10 @@
           <a:bodyPr/>
           <a:lstStyle/>
           <a:p>
-            <a:endParaRPr lang="en-US"/>
+            <a:r>
+              <a:rPr lang="en-US"/>
+              <a:t>Dan Aprahamian</a:t>
+            </a:r>
           </a:p>
         </p:txBody>
       </p:sp>
@@ -7838,7 +7814,7 @@
           <a:bodyPr/>
           <a:lstStyle/>
           <a:p>
-            <a:fld id="{ADEDE260-A783-9B44-98B4-E452A64D1D1F}" type="datetimeFigureOut">
+            <a:fld id="{FE05BB6D-402C-4848-8BD3-EE59AA334518}" type="datetime1">
               <a:rPr lang="en-US" smtClean="0"/>
               <a:t>12/12/18</a:t>
             </a:fld>
@@ -7867,7 +7843,10 @@
           <a:bodyPr/>
           <a:lstStyle/>
           <a:p>
-            <a:endParaRPr lang="en-US"/>
+            <a:r>
+              <a:rPr lang="en-US"/>
+              <a:t>Dan Aprahamian</a:t>
+            </a:r>
           </a:p>
         </p:txBody>
       </p:sp>
@@ -8036,7 +8015,7 @@
           <a:bodyPr/>
           <a:lstStyle/>
           <a:p>
-            <a:fld id="{ADEDE260-A783-9B44-98B4-E452A64D1D1F}" type="datetimeFigureOut">
+            <a:fld id="{1ADC43D9-4796-9948-A087-3389DD862DAC}" type="datetime1">
               <a:rPr lang="en-US" smtClean="0"/>
               <a:t>12/12/18</a:t>
             </a:fld>
@@ -8065,7 +8044,10 @@
           <a:bodyPr/>
           <a:lstStyle/>
           <a:p>
-            <a:endParaRPr lang="en-US"/>
+            <a:r>
+              <a:rPr lang="en-US"/>
+              <a:t>Dan Aprahamian</a:t>
+            </a:r>
           </a:p>
         </p:txBody>
       </p:sp>
@@ -8311,7 +8293,7 @@
           <a:bodyPr/>
           <a:lstStyle/>
           <a:p>
-            <a:fld id="{ADEDE260-A783-9B44-98B4-E452A64D1D1F}" type="datetimeFigureOut">
+            <a:fld id="{6233C47E-A395-974A-9A4F-4974E8C3869F}" type="datetime1">
               <a:rPr lang="en-US" smtClean="0"/>
               <a:t>12/12/18</a:t>
             </a:fld>
@@ -8340,7 +8322,10 @@
           <a:bodyPr/>
           <a:lstStyle/>
           <a:p>
-            <a:endParaRPr lang="en-US"/>
+            <a:r>
+              <a:rPr lang="en-US"/>
+              <a:t>Dan Aprahamian</a:t>
+            </a:r>
           </a:p>
         </p:txBody>
       </p:sp>
@@ -8576,7 +8561,7 @@
           <a:bodyPr/>
           <a:lstStyle/>
           <a:p>
-            <a:fld id="{ADEDE260-A783-9B44-98B4-E452A64D1D1F}" type="datetimeFigureOut">
+            <a:fld id="{D3B647BA-B033-CA49-A214-78E7E4515136}" type="datetime1">
               <a:rPr lang="en-US" smtClean="0"/>
               <a:t>12/12/18</a:t>
             </a:fld>
@@ -8605,7 +8590,10 @@
           <a:bodyPr/>
           <a:lstStyle/>
           <a:p>
-            <a:endParaRPr lang="en-US"/>
+            <a:r>
+              <a:rPr lang="en-US"/>
+              <a:t>Dan Aprahamian</a:t>
+            </a:r>
           </a:p>
         </p:txBody>
       </p:sp>
@@ -8988,7 +8976,7 @@
           <a:bodyPr/>
           <a:lstStyle/>
           <a:p>
-            <a:fld id="{ADEDE260-A783-9B44-98B4-E452A64D1D1F}" type="datetimeFigureOut">
+            <a:fld id="{7F131641-4CCF-B944-B7AD-0DD7DA9540B9}" type="datetime1">
               <a:rPr lang="en-US" smtClean="0"/>
               <a:t>12/12/18</a:t>
             </a:fld>
@@ -9017,7 +9005,10 @@
           <a:bodyPr/>
           <a:lstStyle/>
           <a:p>
-            <a:endParaRPr lang="en-US"/>
+            <a:r>
+              <a:rPr lang="en-US"/>
+              <a:t>Dan Aprahamian</a:t>
+            </a:r>
           </a:p>
         </p:txBody>
       </p:sp>
@@ -9129,7 +9120,7 @@
           <a:bodyPr/>
           <a:lstStyle/>
           <a:p>
-            <a:fld id="{ADEDE260-A783-9B44-98B4-E452A64D1D1F}" type="datetimeFigureOut">
+            <a:fld id="{BA247CEE-8C9A-184F-A7E1-18F0C78B3D84}" type="datetime1">
               <a:rPr lang="en-US" smtClean="0"/>
               <a:t>12/12/18</a:t>
             </a:fld>
@@ -9158,7 +9149,10 @@
           <a:bodyPr/>
           <a:lstStyle/>
           <a:p>
-            <a:endParaRPr lang="en-US"/>
+            <a:r>
+              <a:rPr lang="en-US"/>
+              <a:t>Dan Aprahamian</a:t>
+            </a:r>
           </a:p>
         </p:txBody>
       </p:sp>
@@ -9242,7 +9236,7 @@
           <a:bodyPr/>
           <a:lstStyle/>
           <a:p>
-            <a:fld id="{ADEDE260-A783-9B44-98B4-E452A64D1D1F}" type="datetimeFigureOut">
+            <a:fld id="{50DC9AE1-05B8-E641-9B3B-9C89198E1B23}" type="datetime1">
               <a:rPr lang="en-US" smtClean="0"/>
               <a:t>12/12/18</a:t>
             </a:fld>
@@ -9271,7 +9265,10 @@
           <a:bodyPr/>
           <a:lstStyle/>
           <a:p>
-            <a:endParaRPr lang="en-US"/>
+            <a:r>
+              <a:rPr lang="en-US"/>
+              <a:t>Dan Aprahamian</a:t>
+            </a:r>
           </a:p>
         </p:txBody>
       </p:sp>
@@ -9553,7 +9550,7 @@
           <a:bodyPr/>
           <a:lstStyle/>
           <a:p>
-            <a:fld id="{ADEDE260-A783-9B44-98B4-E452A64D1D1F}" type="datetimeFigureOut">
+            <a:fld id="{79C8B2D0-B287-5A42-9DE3-73FC9D40C2D5}" type="datetime1">
               <a:rPr lang="en-US" smtClean="0"/>
               <a:t>12/12/18</a:t>
             </a:fld>
@@ -9582,7 +9579,10 @@
           <a:bodyPr/>
           <a:lstStyle/>
           <a:p>
-            <a:endParaRPr lang="en-US"/>
+            <a:r>
+              <a:rPr lang="en-US"/>
+              <a:t>Dan Aprahamian</a:t>
+            </a:r>
           </a:p>
         </p:txBody>
       </p:sp>
@@ -9841,7 +9841,7 @@
           <a:bodyPr/>
           <a:lstStyle/>
           <a:p>
-            <a:fld id="{ADEDE260-A783-9B44-98B4-E452A64D1D1F}" type="datetimeFigureOut">
+            <a:fld id="{4DABF8BC-6ABB-D745-8567-6FCE1D3945E7}" type="datetime1">
               <a:rPr lang="en-US" smtClean="0"/>
               <a:t>12/12/18</a:t>
             </a:fld>
@@ -9870,7 +9870,10 @@
           <a:bodyPr/>
           <a:lstStyle/>
           <a:p>
-            <a:endParaRPr lang="en-US"/>
+            <a:r>
+              <a:rPr lang="en-US"/>
+              <a:t>Dan Aprahamian</a:t>
+            </a:r>
           </a:p>
         </p:txBody>
       </p:sp>
@@ -10082,7 +10085,7 @@
             </a:lvl1pPr>
           </a:lstStyle>
           <a:p>
-            <a:fld id="{ADEDE260-A783-9B44-98B4-E452A64D1D1F}" type="datetimeFigureOut">
+            <a:fld id="{4C8F088E-C860-794C-BCC7-BCD6CE228C36}" type="datetime1">
               <a:rPr lang="en-US" smtClean="0"/>
               <a:t>12/12/18</a:t>
             </a:fld>
@@ -10129,7 +10132,10 @@
             </a:lvl1pPr>
           </a:lstStyle>
           <a:p>
-            <a:endParaRPr lang="en-US"/>
+            <a:r>
+              <a:rPr lang="en-US"/>
+              <a:t>Dan Aprahamian</a:t>
+            </a:r>
           </a:p>
         </p:txBody>
       </p:sp>
@@ -10201,6 +10207,7 @@
     <p:sldLayoutId id="2147483658" r:id="rId10"/>
     <p:sldLayoutId id="2147483659" r:id="rId11"/>
   </p:sldLayoutIdLst>
+  <p:hf sldNum="0" hdr="0" dt="0"/>
   <p:txStyles>
     <p:titleStyle>
       <a:lvl1pPr algn="l" defTabSz="914400" rtl="0" eaLnBrk="1" latinLnBrk="0" hangingPunct="1">
@@ -10563,6 +10570,39 @@
           </a:p>
         </p:txBody>
       </p:sp>
+      <p:sp>
+        <p:nvSpPr>
+          <p:cNvPr id="5" name="Footer Placeholder 4">
+            <a:extLst>
+              <a:ext uri="{FF2B5EF4-FFF2-40B4-BE49-F238E27FC236}">
+                <a16:creationId xmlns:a16="http://schemas.microsoft.com/office/drawing/2014/main" id="{5CD81361-A4F2-B94E-A619-AED5C4CF9BCA}"/>
+              </a:ext>
+            </a:extLst>
+          </p:cNvPr>
+          <p:cNvSpPr>
+            <a:spLocks noGrp="1"/>
+          </p:cNvSpPr>
+          <p:nvPr>
+            <p:ph type="ftr" sz="quarter" idx="11"/>
+          </p:nvPr>
+        </p:nvSpPr>
+        <p:spPr/>
+        <p:txBody>
+          <a:bodyPr/>
+          <a:lstStyle/>
+          <a:p>
+            <a:r>
+              <a:rPr lang="en-US" dirty="0"/>
+              <a:t>Dan </a:t>
+            </a:r>
+            <a:r>
+              <a:rPr lang="en-US" dirty="0" err="1"/>
+              <a:t>Aprahamian</a:t>
+            </a:r>
+            <a:endParaRPr lang="en-US" dirty="0"/>
+          </a:p>
+        </p:txBody>
+      </p:sp>
     </p:spTree>
     <p:extLst>
       <p:ext uri="{BB962C8B-B14F-4D97-AF65-F5344CB8AC3E}">
@@ -10743,6 +10783,34 @@
               <a:buNone/>
             </a:pPr>
             <a:endParaRPr lang="en-US" dirty="0"/>
+          </a:p>
+        </p:txBody>
+      </p:sp>
+      <p:sp>
+        <p:nvSpPr>
+          <p:cNvPr id="4" name="Footer Placeholder 3">
+            <a:extLst>
+              <a:ext uri="{FF2B5EF4-FFF2-40B4-BE49-F238E27FC236}">
+                <a16:creationId xmlns:a16="http://schemas.microsoft.com/office/drawing/2014/main" id="{700C8D4C-A40E-0B4C-A214-DA17F348164C}"/>
+              </a:ext>
+            </a:extLst>
+          </p:cNvPr>
+          <p:cNvSpPr>
+            <a:spLocks noGrp="1"/>
+          </p:cNvSpPr>
+          <p:nvPr>
+            <p:ph type="ftr" sz="quarter" idx="11"/>
+          </p:nvPr>
+        </p:nvSpPr>
+        <p:spPr/>
+        <p:txBody>
+          <a:bodyPr/>
+          <a:lstStyle/>
+          <a:p>
+            <a:r>
+              <a:rPr lang="en-US"/>
+              <a:t>Dan Aprahamian</a:t>
+            </a:r>
           </a:p>
         </p:txBody>
       </p:sp>
@@ -11328,6 +11396,34 @@
           </p:style>
         </p:cxnSp>
       </p:grpSp>
+      <p:sp>
+        <p:nvSpPr>
+          <p:cNvPr id="4" name="Footer Placeholder 3">
+            <a:extLst>
+              <a:ext uri="{FF2B5EF4-FFF2-40B4-BE49-F238E27FC236}">
+                <a16:creationId xmlns:a16="http://schemas.microsoft.com/office/drawing/2014/main" id="{A66132EC-CFA7-F24A-97ED-0604BD45E22A}"/>
+              </a:ext>
+            </a:extLst>
+          </p:cNvPr>
+          <p:cNvSpPr>
+            <a:spLocks noGrp="1"/>
+          </p:cNvSpPr>
+          <p:nvPr>
+            <p:ph type="ftr" sz="quarter" idx="11"/>
+          </p:nvPr>
+        </p:nvSpPr>
+        <p:spPr/>
+        <p:txBody>
+          <a:bodyPr/>
+          <a:lstStyle/>
+          <a:p>
+            <a:r>
+              <a:rPr lang="en-US"/>
+              <a:t>Dan Aprahamian</a:t>
+            </a:r>
+          </a:p>
+        </p:txBody>
+      </p:sp>
     </p:spTree>
     <p:extLst>
       <p:ext uri="{BB962C8B-B14F-4D97-AF65-F5344CB8AC3E}">
@@ -11906,6 +12002,34 @@
           </p:style>
         </p:cxnSp>
       </p:grpSp>
+      <p:sp>
+        <p:nvSpPr>
+          <p:cNvPr id="11" name="Footer Placeholder 10">
+            <a:extLst>
+              <a:ext uri="{FF2B5EF4-FFF2-40B4-BE49-F238E27FC236}">
+                <a16:creationId xmlns:a16="http://schemas.microsoft.com/office/drawing/2014/main" id="{C16C79D9-DE76-EB45-B074-0CAAE562DADD}"/>
+              </a:ext>
+            </a:extLst>
+          </p:cNvPr>
+          <p:cNvSpPr>
+            <a:spLocks noGrp="1"/>
+          </p:cNvSpPr>
+          <p:nvPr>
+            <p:ph type="ftr" sz="quarter" idx="11"/>
+          </p:nvPr>
+        </p:nvSpPr>
+        <p:spPr/>
+        <p:txBody>
+          <a:bodyPr/>
+          <a:lstStyle/>
+          <a:p>
+            <a:r>
+              <a:rPr lang="en-US"/>
+              <a:t>Dan Aprahamian</a:t>
+            </a:r>
+          </a:p>
+        </p:txBody>
+      </p:sp>
     </p:spTree>
     <p:extLst>
       <p:ext uri="{BB962C8B-B14F-4D97-AF65-F5344CB8AC3E}">
@@ -12201,6 +12325,34 @@
           </a:p>
           <a:p>
             <a:endParaRPr lang="en-US" dirty="0"/>
+          </a:p>
+        </p:txBody>
+      </p:sp>
+      <p:sp>
+        <p:nvSpPr>
+          <p:cNvPr id="4" name="Footer Placeholder 3">
+            <a:extLst>
+              <a:ext uri="{FF2B5EF4-FFF2-40B4-BE49-F238E27FC236}">
+                <a16:creationId xmlns:a16="http://schemas.microsoft.com/office/drawing/2014/main" id="{C7ED7D99-2609-3247-8E31-C9F2D8102457}"/>
+              </a:ext>
+            </a:extLst>
+          </p:cNvPr>
+          <p:cNvSpPr>
+            <a:spLocks noGrp="1"/>
+          </p:cNvSpPr>
+          <p:nvPr>
+            <p:ph type="ftr" sz="quarter" idx="11"/>
+          </p:nvPr>
+        </p:nvSpPr>
+        <p:spPr/>
+        <p:txBody>
+          <a:bodyPr/>
+          <a:lstStyle/>
+          <a:p>
+            <a:r>
+              <a:rPr lang="en-US"/>
+              <a:t>Dan Aprahamian</a:t>
+            </a:r>
           </a:p>
         </p:txBody>
       </p:sp>
@@ -12781,6 +12933,34 @@
           </a:graphicData>
         </a:graphic>
       </p:graphicFrame>
+      <p:sp>
+        <p:nvSpPr>
+          <p:cNvPr id="5" name="Footer Placeholder 4">
+            <a:extLst>
+              <a:ext uri="{FF2B5EF4-FFF2-40B4-BE49-F238E27FC236}">
+                <a16:creationId xmlns:a16="http://schemas.microsoft.com/office/drawing/2014/main" id="{52FB7AB2-5C4F-C94E-BC5D-D524FA3ECAA3}"/>
+              </a:ext>
+            </a:extLst>
+          </p:cNvPr>
+          <p:cNvSpPr>
+            <a:spLocks noGrp="1"/>
+          </p:cNvSpPr>
+          <p:nvPr>
+            <p:ph type="ftr" sz="quarter" idx="11"/>
+          </p:nvPr>
+        </p:nvSpPr>
+        <p:spPr/>
+        <p:txBody>
+          <a:bodyPr/>
+          <a:lstStyle/>
+          <a:p>
+            <a:r>
+              <a:rPr lang="en-US"/>
+              <a:t>Dan Aprahamian</a:t>
+            </a:r>
+          </a:p>
+        </p:txBody>
+      </p:sp>
     </p:spTree>
     <p:extLst>
       <p:ext uri="{BB962C8B-B14F-4D97-AF65-F5344CB8AC3E}">
@@ -12959,6 +13139,34 @@
             <a:r>
               <a:rPr lang="en-US" dirty="0"/>
               <a:t>Only apply to Integers</a:t>
+            </a:r>
+          </a:p>
+        </p:txBody>
+      </p:sp>
+      <p:sp>
+        <p:nvSpPr>
+          <p:cNvPr id="3" name="Footer Placeholder 2">
+            <a:extLst>
+              <a:ext uri="{FF2B5EF4-FFF2-40B4-BE49-F238E27FC236}">
+                <a16:creationId xmlns:a16="http://schemas.microsoft.com/office/drawing/2014/main" id="{8430B266-81BF-C14D-8C7F-350559532464}"/>
+              </a:ext>
+            </a:extLst>
+          </p:cNvPr>
+          <p:cNvSpPr>
+            <a:spLocks noGrp="1"/>
+          </p:cNvSpPr>
+          <p:nvPr>
+            <p:ph type="ftr" sz="quarter" idx="11"/>
+          </p:nvPr>
+        </p:nvSpPr>
+        <p:spPr/>
+        <p:txBody>
+          <a:bodyPr/>
+          <a:lstStyle/>
+          <a:p>
+            <a:r>
+              <a:rPr lang="en-US"/>
+              <a:t>Dan Aprahamian</a:t>
             </a:r>
           </a:p>
         </p:txBody>
@@ -13551,6 +13759,34 @@
           </a:graphicData>
         </a:graphic>
       </p:graphicFrame>
+      <p:sp>
+        <p:nvSpPr>
+          <p:cNvPr id="3" name="Footer Placeholder 2">
+            <a:extLst>
+              <a:ext uri="{FF2B5EF4-FFF2-40B4-BE49-F238E27FC236}">
+                <a16:creationId xmlns:a16="http://schemas.microsoft.com/office/drawing/2014/main" id="{DA268601-B1DF-F44B-A48B-2BEBA4FE00E5}"/>
+              </a:ext>
+            </a:extLst>
+          </p:cNvPr>
+          <p:cNvSpPr>
+            <a:spLocks noGrp="1"/>
+          </p:cNvSpPr>
+          <p:nvPr>
+            <p:ph type="ftr" sz="quarter" idx="11"/>
+          </p:nvPr>
+        </p:nvSpPr>
+        <p:spPr/>
+        <p:txBody>
+          <a:bodyPr/>
+          <a:lstStyle/>
+          <a:p>
+            <a:r>
+              <a:rPr lang="en-US"/>
+              <a:t>Dan Aprahamian</a:t>
+            </a:r>
+          </a:p>
+        </p:txBody>
+      </p:sp>
     </p:spTree>
     <p:extLst>
       <p:ext uri="{BB962C8B-B14F-4D97-AF65-F5344CB8AC3E}">
@@ -14087,6 +14323,34 @@
           </a:graphicData>
         </a:graphic>
       </p:graphicFrame>
+      <p:sp>
+        <p:nvSpPr>
+          <p:cNvPr id="3" name="Footer Placeholder 2">
+            <a:extLst>
+              <a:ext uri="{FF2B5EF4-FFF2-40B4-BE49-F238E27FC236}">
+                <a16:creationId xmlns:a16="http://schemas.microsoft.com/office/drawing/2014/main" id="{117C72BE-F8FB-D349-AEF8-F6D0DE2D34D6}"/>
+              </a:ext>
+            </a:extLst>
+          </p:cNvPr>
+          <p:cNvSpPr>
+            <a:spLocks noGrp="1"/>
+          </p:cNvSpPr>
+          <p:nvPr>
+            <p:ph type="ftr" sz="quarter" idx="11"/>
+          </p:nvPr>
+        </p:nvSpPr>
+        <p:spPr/>
+        <p:txBody>
+          <a:bodyPr/>
+          <a:lstStyle/>
+          <a:p>
+            <a:r>
+              <a:rPr lang="en-US"/>
+              <a:t>Dan Aprahamian</a:t>
+            </a:r>
+          </a:p>
+        </p:txBody>
+      </p:sp>
     </p:spTree>
     <p:extLst>
       <p:ext uri="{BB962C8B-B14F-4D97-AF65-F5344CB8AC3E}">
@@ -14658,6 +14922,34 @@
               <a:buNone/>
             </a:pPr>
             <a:endParaRPr lang="en-US" dirty="0"/>
+          </a:p>
+        </p:txBody>
+      </p:sp>
+      <p:sp>
+        <p:nvSpPr>
+          <p:cNvPr id="4" name="Footer Placeholder 3">
+            <a:extLst>
+              <a:ext uri="{FF2B5EF4-FFF2-40B4-BE49-F238E27FC236}">
+                <a16:creationId xmlns:a16="http://schemas.microsoft.com/office/drawing/2014/main" id="{C9F26197-831C-A341-8E68-9111782E608C}"/>
+              </a:ext>
+            </a:extLst>
+          </p:cNvPr>
+          <p:cNvSpPr>
+            <a:spLocks noGrp="1"/>
+          </p:cNvSpPr>
+          <p:nvPr>
+            <p:ph type="ftr" sz="quarter" idx="11"/>
+          </p:nvPr>
+        </p:nvSpPr>
+        <p:spPr/>
+        <p:txBody>
+          <a:bodyPr/>
+          <a:lstStyle/>
+          <a:p>
+            <a:r>
+              <a:rPr lang="en-US"/>
+              <a:t>Dan Aprahamian</a:t>
+            </a:r>
           </a:p>
         </p:txBody>
       </p:sp>
@@ -15084,6 +15376,34 @@
           </a:p>
         </p:txBody>
       </p:sp>
+      <p:sp>
+        <p:nvSpPr>
+          <p:cNvPr id="4" name="Footer Placeholder 3">
+            <a:extLst>
+              <a:ext uri="{FF2B5EF4-FFF2-40B4-BE49-F238E27FC236}">
+                <a16:creationId xmlns:a16="http://schemas.microsoft.com/office/drawing/2014/main" id="{8DCAC997-AA00-C445-B34B-C02A67E73559}"/>
+              </a:ext>
+            </a:extLst>
+          </p:cNvPr>
+          <p:cNvSpPr>
+            <a:spLocks noGrp="1"/>
+          </p:cNvSpPr>
+          <p:nvPr>
+            <p:ph type="ftr" sz="quarter" idx="11"/>
+          </p:nvPr>
+        </p:nvSpPr>
+        <p:spPr/>
+        <p:txBody>
+          <a:bodyPr/>
+          <a:lstStyle/>
+          <a:p>
+            <a:r>
+              <a:rPr lang="en-US"/>
+              <a:t>Dan Aprahamian</a:t>
+            </a:r>
+          </a:p>
+        </p:txBody>
+      </p:sp>
     </p:spTree>
     <p:extLst>
       <p:ext uri="{BB962C8B-B14F-4D97-AF65-F5344CB8AC3E}">
@@ -15350,6 +15670,34 @@
           </a:p>
         </p:txBody>
       </p:sp>
+      <p:sp>
+        <p:nvSpPr>
+          <p:cNvPr id="3" name="Footer Placeholder 2">
+            <a:extLst>
+              <a:ext uri="{FF2B5EF4-FFF2-40B4-BE49-F238E27FC236}">
+                <a16:creationId xmlns:a16="http://schemas.microsoft.com/office/drawing/2014/main" id="{E502B0FC-46FB-9749-A7A1-D58B1F62F5E9}"/>
+              </a:ext>
+            </a:extLst>
+          </p:cNvPr>
+          <p:cNvSpPr>
+            <a:spLocks noGrp="1"/>
+          </p:cNvSpPr>
+          <p:nvPr>
+            <p:ph type="ftr" sz="quarter" idx="11"/>
+          </p:nvPr>
+        </p:nvSpPr>
+        <p:spPr/>
+        <p:txBody>
+          <a:bodyPr/>
+          <a:lstStyle/>
+          <a:p>
+            <a:r>
+              <a:rPr lang="en-US"/>
+              <a:t>Dan Aprahamian</a:t>
+            </a:r>
+          </a:p>
+        </p:txBody>
+      </p:sp>
     </p:spTree>
     <p:extLst>
       <p:ext uri="{BB962C8B-B14F-4D97-AF65-F5344CB8AC3E}">
@@ -15527,6 +15875,34 @@
                 <a:latin typeface="Andale Mono" panose="020B0509000000000004" pitchFamily="49" charset="0"/>
               </a:rPr>
               <a:t>x = new Date() | 0	// x === 0</a:t>
+            </a:r>
+          </a:p>
+        </p:txBody>
+      </p:sp>
+      <p:sp>
+        <p:nvSpPr>
+          <p:cNvPr id="4" name="Footer Placeholder 3">
+            <a:extLst>
+              <a:ext uri="{FF2B5EF4-FFF2-40B4-BE49-F238E27FC236}">
+                <a16:creationId xmlns:a16="http://schemas.microsoft.com/office/drawing/2014/main" id="{BBA0FBC5-FCA6-904F-BC49-6393B3D67829}"/>
+              </a:ext>
+            </a:extLst>
+          </p:cNvPr>
+          <p:cNvSpPr>
+            <a:spLocks noGrp="1"/>
+          </p:cNvSpPr>
+          <p:nvPr>
+            <p:ph type="ftr" sz="quarter" idx="11"/>
+          </p:nvPr>
+        </p:nvSpPr>
+        <p:spPr/>
+        <p:txBody>
+          <a:bodyPr/>
+          <a:lstStyle/>
+          <a:p>
+            <a:r>
+              <a:rPr lang="en-US"/>
+              <a:t>Dan Aprahamian</a:t>
             </a:r>
           </a:p>
         </p:txBody>
@@ -15854,6 +16230,34 @@
           </a:p>
         </p:txBody>
       </p:sp>
+      <p:sp>
+        <p:nvSpPr>
+          <p:cNvPr id="3" name="Footer Placeholder 2">
+            <a:extLst>
+              <a:ext uri="{FF2B5EF4-FFF2-40B4-BE49-F238E27FC236}">
+                <a16:creationId xmlns:a16="http://schemas.microsoft.com/office/drawing/2014/main" id="{F8F1C848-B3B2-1247-B341-7EF476F3B9A5}"/>
+              </a:ext>
+            </a:extLst>
+          </p:cNvPr>
+          <p:cNvSpPr>
+            <a:spLocks noGrp="1"/>
+          </p:cNvSpPr>
+          <p:nvPr>
+            <p:ph type="ftr" sz="quarter" idx="11"/>
+          </p:nvPr>
+        </p:nvSpPr>
+        <p:spPr/>
+        <p:txBody>
+          <a:bodyPr/>
+          <a:lstStyle/>
+          <a:p>
+            <a:r>
+              <a:rPr lang="en-US"/>
+              <a:t>Dan Aprahamian</a:t>
+            </a:r>
+          </a:p>
+        </p:txBody>
+      </p:sp>
     </p:spTree>
     <p:extLst>
       <p:ext uri="{BB962C8B-B14F-4D97-AF65-F5344CB8AC3E}">
@@ -15948,6 +16352,34 @@
             <a:r>
               <a:rPr lang="en-US" dirty="0"/>
               <a:t>…because you think it is clever</a:t>
+            </a:r>
+          </a:p>
+        </p:txBody>
+      </p:sp>
+      <p:sp>
+        <p:nvSpPr>
+          <p:cNvPr id="4" name="Footer Placeholder 3">
+            <a:extLst>
+              <a:ext uri="{FF2B5EF4-FFF2-40B4-BE49-F238E27FC236}">
+                <a16:creationId xmlns:a16="http://schemas.microsoft.com/office/drawing/2014/main" id="{5A58F5D8-2948-DB41-91D6-7B48A6955AEE}"/>
+              </a:ext>
+            </a:extLst>
+          </p:cNvPr>
+          <p:cNvSpPr>
+            <a:spLocks noGrp="1"/>
+          </p:cNvSpPr>
+          <p:nvPr>
+            <p:ph type="ftr" sz="quarter" idx="11"/>
+          </p:nvPr>
+        </p:nvSpPr>
+        <p:spPr/>
+        <p:txBody>
+          <a:bodyPr/>
+          <a:lstStyle/>
+          <a:p>
+            <a:r>
+              <a:rPr lang="en-US"/>
+              <a:t>Dan Aprahamian</a:t>
             </a:r>
           </a:p>
         </p:txBody>
@@ -16332,6 +16764,34 @@
             <a:r>
               <a:rPr lang="en-US" dirty="0"/>
               <a:t> conversion</a:t>
+            </a:r>
+          </a:p>
+        </p:txBody>
+      </p:sp>
+      <p:sp>
+        <p:nvSpPr>
+          <p:cNvPr id="5" name="Footer Placeholder 4">
+            <a:extLst>
+              <a:ext uri="{FF2B5EF4-FFF2-40B4-BE49-F238E27FC236}">
+                <a16:creationId xmlns:a16="http://schemas.microsoft.com/office/drawing/2014/main" id="{24BFBA80-C1C0-4B4E-B052-57AC4DDB9812}"/>
+              </a:ext>
+            </a:extLst>
+          </p:cNvPr>
+          <p:cNvSpPr>
+            <a:spLocks noGrp="1"/>
+          </p:cNvSpPr>
+          <p:nvPr>
+            <p:ph type="ftr" sz="quarter" idx="11"/>
+          </p:nvPr>
+        </p:nvSpPr>
+        <p:spPr/>
+        <p:txBody>
+          <a:bodyPr/>
+          <a:lstStyle/>
+          <a:p>
+            <a:r>
+              <a:rPr lang="en-US"/>
+              <a:t>Dan Aprahamian</a:t>
             </a:r>
           </a:p>
         </p:txBody>
@@ -16907,6 +17367,34 @@
           </a:p>
         </p:txBody>
       </p:sp>
+      <p:sp>
+        <p:nvSpPr>
+          <p:cNvPr id="4" name="Footer Placeholder 3">
+            <a:extLst>
+              <a:ext uri="{FF2B5EF4-FFF2-40B4-BE49-F238E27FC236}">
+                <a16:creationId xmlns:a16="http://schemas.microsoft.com/office/drawing/2014/main" id="{1082C74C-B56C-5242-A475-BA7810A393AC}"/>
+              </a:ext>
+            </a:extLst>
+          </p:cNvPr>
+          <p:cNvSpPr>
+            <a:spLocks noGrp="1"/>
+          </p:cNvSpPr>
+          <p:nvPr>
+            <p:ph type="ftr" sz="quarter" idx="11"/>
+          </p:nvPr>
+        </p:nvSpPr>
+        <p:spPr/>
+        <p:txBody>
+          <a:bodyPr/>
+          <a:lstStyle/>
+          <a:p>
+            <a:r>
+              <a:rPr lang="en-US"/>
+              <a:t>Dan Aprahamian</a:t>
+            </a:r>
+          </a:p>
+        </p:txBody>
+      </p:sp>
     </p:spTree>
     <p:extLst>
       <p:ext uri="{BB962C8B-B14F-4D97-AF65-F5344CB8AC3E}">
@@ -17323,6 +17811,34 @@
           </a:p>
         </p:txBody>
       </p:sp>
+      <p:sp>
+        <p:nvSpPr>
+          <p:cNvPr id="4" name="Footer Placeholder 3">
+            <a:extLst>
+              <a:ext uri="{FF2B5EF4-FFF2-40B4-BE49-F238E27FC236}">
+                <a16:creationId xmlns:a16="http://schemas.microsoft.com/office/drawing/2014/main" id="{ED62EDD1-B2D7-3E41-805C-72B291660B68}"/>
+              </a:ext>
+            </a:extLst>
+          </p:cNvPr>
+          <p:cNvSpPr>
+            <a:spLocks noGrp="1"/>
+          </p:cNvSpPr>
+          <p:nvPr>
+            <p:ph type="ftr" sz="quarter" idx="11"/>
+          </p:nvPr>
+        </p:nvSpPr>
+        <p:spPr/>
+        <p:txBody>
+          <a:bodyPr/>
+          <a:lstStyle/>
+          <a:p>
+            <a:r>
+              <a:rPr lang="en-US"/>
+              <a:t>Dan Aprahamian</a:t>
+            </a:r>
+          </a:p>
+        </p:txBody>
+      </p:sp>
     </p:spTree>
     <p:extLst>
       <p:ext uri="{BB962C8B-B14F-4D97-AF65-F5344CB8AC3E}">
@@ -17647,6 +18163,34 @@
           </a:p>
         </p:txBody>
       </p:sp>
+      <p:sp>
+        <p:nvSpPr>
+          <p:cNvPr id="4" name="Footer Placeholder 3">
+            <a:extLst>
+              <a:ext uri="{FF2B5EF4-FFF2-40B4-BE49-F238E27FC236}">
+                <a16:creationId xmlns:a16="http://schemas.microsoft.com/office/drawing/2014/main" id="{6025B601-70E2-FC45-855F-586A7F36BC8C}"/>
+              </a:ext>
+            </a:extLst>
+          </p:cNvPr>
+          <p:cNvSpPr>
+            <a:spLocks noGrp="1"/>
+          </p:cNvSpPr>
+          <p:nvPr>
+            <p:ph type="ftr" sz="quarter" idx="11"/>
+          </p:nvPr>
+        </p:nvSpPr>
+        <p:spPr/>
+        <p:txBody>
+          <a:bodyPr/>
+          <a:lstStyle/>
+          <a:p>
+            <a:r>
+              <a:rPr lang="en-US"/>
+              <a:t>Dan Aprahamian</a:t>
+            </a:r>
+          </a:p>
+        </p:txBody>
+      </p:sp>
     </p:spTree>
     <p:extLst>
       <p:ext uri="{BB962C8B-B14F-4D97-AF65-F5344CB8AC3E}">
@@ -17751,6 +18295,34 @@
             <a:r>
               <a:rPr lang="en-US" dirty="0"/>
               <a:t>.</a:t>
+            </a:r>
+          </a:p>
+        </p:txBody>
+      </p:sp>
+      <p:sp>
+        <p:nvSpPr>
+          <p:cNvPr id="4" name="Footer Placeholder 3">
+            <a:extLst>
+              <a:ext uri="{FF2B5EF4-FFF2-40B4-BE49-F238E27FC236}">
+                <a16:creationId xmlns:a16="http://schemas.microsoft.com/office/drawing/2014/main" id="{673B42BC-2F63-0946-8FBB-95E6A09F686B}"/>
+              </a:ext>
+            </a:extLst>
+          </p:cNvPr>
+          <p:cNvSpPr>
+            <a:spLocks noGrp="1"/>
+          </p:cNvSpPr>
+          <p:nvPr>
+            <p:ph type="ftr" sz="quarter" idx="11"/>
+          </p:nvPr>
+        </p:nvSpPr>
+        <p:spPr/>
+        <p:txBody>
+          <a:bodyPr/>
+          <a:lstStyle/>
+          <a:p>
+            <a:r>
+              <a:rPr lang="en-US"/>
+              <a:t>Dan Aprahamian</a:t>
             </a:r>
           </a:p>
         </p:txBody>
@@ -18089,6 +18661,34 @@
                 <a:latin typeface="Andale Mono" panose="020B0509000000000004" pitchFamily="49" charset="0"/>
               </a:rPr>
               <a:t>let store = 0;			// Store for our flags</a:t>
+            </a:r>
+          </a:p>
+        </p:txBody>
+      </p:sp>
+      <p:sp>
+        <p:nvSpPr>
+          <p:cNvPr id="4" name="Footer Placeholder 3">
+            <a:extLst>
+              <a:ext uri="{FF2B5EF4-FFF2-40B4-BE49-F238E27FC236}">
+                <a16:creationId xmlns:a16="http://schemas.microsoft.com/office/drawing/2014/main" id="{00F4A147-C9EE-B64E-9830-8B8679EC5B8A}"/>
+              </a:ext>
+            </a:extLst>
+          </p:cNvPr>
+          <p:cNvSpPr>
+            <a:spLocks noGrp="1"/>
+          </p:cNvSpPr>
+          <p:nvPr>
+            <p:ph type="ftr" sz="quarter" idx="11"/>
+          </p:nvPr>
+        </p:nvSpPr>
+        <p:spPr/>
+        <p:txBody>
+          <a:bodyPr/>
+          <a:lstStyle/>
+          <a:p>
+            <a:r>
+              <a:rPr lang="en-US"/>
+              <a:t>Dan Aprahamian</a:t>
             </a:r>
           </a:p>
         </p:txBody>
@@ -18990,6 +19590,34 @@
           </a:p>
         </p:txBody>
       </p:sp>
+      <p:sp>
+        <p:nvSpPr>
+          <p:cNvPr id="5" name="Footer Placeholder 4">
+            <a:extLst>
+              <a:ext uri="{FF2B5EF4-FFF2-40B4-BE49-F238E27FC236}">
+                <a16:creationId xmlns:a16="http://schemas.microsoft.com/office/drawing/2014/main" id="{2625789B-F4FE-AA4B-BDEE-3C2077495F3D}"/>
+              </a:ext>
+            </a:extLst>
+          </p:cNvPr>
+          <p:cNvSpPr>
+            <a:spLocks noGrp="1"/>
+          </p:cNvSpPr>
+          <p:nvPr>
+            <p:ph type="ftr" sz="quarter" idx="11"/>
+          </p:nvPr>
+        </p:nvSpPr>
+        <p:spPr/>
+        <p:txBody>
+          <a:bodyPr/>
+          <a:lstStyle/>
+          <a:p>
+            <a:r>
+              <a:rPr lang="en-US"/>
+              <a:t>Dan Aprahamian</a:t>
+            </a:r>
+          </a:p>
+        </p:txBody>
+      </p:sp>
     </p:spTree>
     <p:extLst>
       <p:ext uri="{BB962C8B-B14F-4D97-AF65-F5344CB8AC3E}">
@@ -19335,6 +19963,34 @@
             <a:r>
               <a:rPr lang="en-US" sz="2800" dirty="0"/>
               <a:t>Magnitude</a:t>
+            </a:r>
+          </a:p>
+        </p:txBody>
+      </p:sp>
+      <p:sp>
+        <p:nvSpPr>
+          <p:cNvPr id="4" name="Footer Placeholder 3">
+            <a:extLst>
+              <a:ext uri="{FF2B5EF4-FFF2-40B4-BE49-F238E27FC236}">
+                <a16:creationId xmlns:a16="http://schemas.microsoft.com/office/drawing/2014/main" id="{3B9AC45A-7869-9B43-A1D1-6ADE6BD53297}"/>
+              </a:ext>
+            </a:extLst>
+          </p:cNvPr>
+          <p:cNvSpPr>
+            <a:spLocks noGrp="1"/>
+          </p:cNvSpPr>
+          <p:nvPr>
+            <p:ph type="ftr" sz="quarter" idx="11"/>
+          </p:nvPr>
+        </p:nvSpPr>
+        <p:spPr/>
+        <p:txBody>
+          <a:bodyPr/>
+          <a:lstStyle/>
+          <a:p>
+            <a:r>
+              <a:rPr lang="en-US"/>
+              <a:t>Dan Aprahamian</a:t>
             </a:r>
           </a:p>
         </p:txBody>
@@ -19557,33 +20213,15 @@
                                   </p:childTnLst>
                                 </p:cTn>
                               </p:par>
-                            </p:childTnLst>
-                          </p:cTn>
-                        </p:par>
-                      </p:childTnLst>
-                    </p:cTn>
-                  </p:par>
-                  <p:par>
-                    <p:cTn id="19" fill="hold">
-                      <p:stCondLst>
-                        <p:cond delay="indefinite"/>
-                      </p:stCondLst>
-                      <p:childTnLst>
-                        <p:par>
-                          <p:cTn id="20" fill="hold">
-                            <p:stCondLst>
-                              <p:cond delay="0"/>
-                            </p:stCondLst>
-                            <p:childTnLst>
                               <p:par>
-                                <p:cTn id="21" presetID="1" presetClass="entr" presetSubtype="0" fill="hold" grpId="0" nodeType="clickEffect">
+                                <p:cTn id="19" presetID="1" presetClass="entr" presetSubtype="0" fill="hold" grpId="0" nodeType="withEffect">
                                   <p:stCondLst>
                                     <p:cond delay="0"/>
                                   </p:stCondLst>
                                   <p:childTnLst>
                                     <p:set>
                                       <p:cBhvr>
-                                        <p:cTn id="22" dur="1" fill="hold">
+                                        <p:cTn id="20" dur="1" fill="hold">
                                           <p:stCondLst>
                                             <p:cond delay="0"/>
                                           </p:stCondLst>
@@ -19613,26 +20251,26 @@
                     </p:cTn>
                   </p:par>
                   <p:par>
-                    <p:cTn id="23" fill="hold">
+                    <p:cTn id="21" fill="hold">
                       <p:stCondLst>
                         <p:cond delay="indefinite"/>
                       </p:stCondLst>
                       <p:childTnLst>
                         <p:par>
-                          <p:cTn id="24" fill="hold">
+                          <p:cTn id="22" fill="hold">
                             <p:stCondLst>
                               <p:cond delay="0"/>
                             </p:stCondLst>
                             <p:childTnLst>
                               <p:par>
-                                <p:cTn id="25" presetID="1" presetClass="entr" presetSubtype="0" fill="hold" grpId="0" nodeType="clickEffect">
+                                <p:cTn id="23" presetID="1" presetClass="entr" presetSubtype="0" fill="hold" grpId="0" nodeType="clickEffect">
                                   <p:stCondLst>
                                     <p:cond delay="0"/>
                                   </p:stCondLst>
                                   <p:childTnLst>
                                     <p:set>
                                       <p:cBhvr>
-                                        <p:cTn id="26" dur="1" fill="hold">
+                                        <p:cTn id="24" dur="1" fill="hold">
                                           <p:stCondLst>
                                             <p:cond delay="0"/>
                                           </p:stCondLst>
@@ -19662,26 +20300,26 @@
                     </p:cTn>
                   </p:par>
                   <p:par>
-                    <p:cTn id="27" fill="hold">
+                    <p:cTn id="25" fill="hold">
                       <p:stCondLst>
                         <p:cond delay="indefinite"/>
                       </p:stCondLst>
                       <p:childTnLst>
                         <p:par>
-                          <p:cTn id="28" fill="hold">
+                          <p:cTn id="26" fill="hold">
                             <p:stCondLst>
                               <p:cond delay="0"/>
                             </p:stCondLst>
                             <p:childTnLst>
                               <p:par>
-                                <p:cTn id="29" presetID="1" presetClass="entr" presetSubtype="0" fill="hold" grpId="0" nodeType="clickEffect">
+                                <p:cTn id="27" presetID="1" presetClass="entr" presetSubtype="0" fill="hold" grpId="0" nodeType="clickEffect">
                                   <p:stCondLst>
                                     <p:cond delay="0"/>
                                   </p:stCondLst>
                                   <p:childTnLst>
                                     <p:set>
                                       <p:cBhvr>
-                                        <p:cTn id="30" dur="1" fill="hold">
+                                        <p:cTn id="28" dur="1" fill="hold">
                                           <p:stCondLst>
                                             <p:cond delay="0"/>
                                           </p:stCondLst>
@@ -19974,6 +20612,34 @@
               <a:buNone/>
             </a:pPr>
             <a:endParaRPr lang="en-US" dirty="0"/>
+          </a:p>
+        </p:txBody>
+      </p:sp>
+      <p:sp>
+        <p:nvSpPr>
+          <p:cNvPr id="4" name="Footer Placeholder 3">
+            <a:extLst>
+              <a:ext uri="{FF2B5EF4-FFF2-40B4-BE49-F238E27FC236}">
+                <a16:creationId xmlns:a16="http://schemas.microsoft.com/office/drawing/2014/main" id="{0DFB52E8-8E04-F44B-8135-7433F19D6803}"/>
+              </a:ext>
+            </a:extLst>
+          </p:cNvPr>
+          <p:cNvSpPr>
+            <a:spLocks noGrp="1"/>
+          </p:cNvSpPr>
+          <p:nvPr>
+            <p:ph type="ftr" sz="quarter" idx="11"/>
+          </p:nvPr>
+        </p:nvSpPr>
+        <p:spPr/>
+        <p:txBody>
+          <a:bodyPr/>
+          <a:lstStyle/>
+          <a:p>
+            <a:r>
+              <a:rPr lang="en-US"/>
+              <a:t>Dan Aprahamian</a:t>
+            </a:r>
           </a:p>
         </p:txBody>
       </p:sp>
@@ -20639,6 +21305,34 @@
           </a:p>
         </p:txBody>
       </p:sp>
+      <p:sp>
+        <p:nvSpPr>
+          <p:cNvPr id="4" name="Footer Placeholder 3">
+            <a:extLst>
+              <a:ext uri="{FF2B5EF4-FFF2-40B4-BE49-F238E27FC236}">
+                <a16:creationId xmlns:a16="http://schemas.microsoft.com/office/drawing/2014/main" id="{FF1295E8-C178-4347-B52B-B31A6523C166}"/>
+              </a:ext>
+            </a:extLst>
+          </p:cNvPr>
+          <p:cNvSpPr>
+            <a:spLocks noGrp="1"/>
+          </p:cNvSpPr>
+          <p:nvPr>
+            <p:ph type="ftr" sz="quarter" idx="11"/>
+          </p:nvPr>
+        </p:nvSpPr>
+        <p:spPr/>
+        <p:txBody>
+          <a:bodyPr/>
+          <a:lstStyle/>
+          <a:p>
+            <a:r>
+              <a:rPr lang="en-US"/>
+              <a:t>Dan Aprahamian</a:t>
+            </a:r>
+          </a:p>
+        </p:txBody>
+      </p:sp>
     </p:spTree>
     <p:extLst>
       <p:ext uri="{BB962C8B-B14F-4D97-AF65-F5344CB8AC3E}">
@@ -20866,6 +21560,34 @@
               <a:buNone/>
             </a:pPr>
             <a:endParaRPr lang="en-US" dirty="0"/>
+          </a:p>
+        </p:txBody>
+      </p:sp>
+      <p:sp>
+        <p:nvSpPr>
+          <p:cNvPr id="5" name="Footer Placeholder 4">
+            <a:extLst>
+              <a:ext uri="{FF2B5EF4-FFF2-40B4-BE49-F238E27FC236}">
+                <a16:creationId xmlns:a16="http://schemas.microsoft.com/office/drawing/2014/main" id="{BD852B49-3D4B-694E-8ADD-3A3C668D8E5E}"/>
+              </a:ext>
+            </a:extLst>
+          </p:cNvPr>
+          <p:cNvSpPr>
+            <a:spLocks noGrp="1"/>
+          </p:cNvSpPr>
+          <p:nvPr>
+            <p:ph type="ftr" sz="quarter" idx="11"/>
+          </p:nvPr>
+        </p:nvSpPr>
+        <p:spPr/>
+        <p:txBody>
+          <a:bodyPr/>
+          <a:lstStyle/>
+          <a:p>
+            <a:r>
+              <a:rPr lang="en-US"/>
+              <a:t>Dan Aprahamian</a:t>
+            </a:r>
           </a:p>
         </p:txBody>
       </p:sp>
@@ -21470,6 +22192,34 @@
                 <a:latin typeface="Andale Mono" panose="020B0509000000000004" pitchFamily="49" charset="0"/>
               </a:rPr>
               <a:t>}</a:t>
+            </a:r>
+          </a:p>
+        </p:txBody>
+      </p:sp>
+      <p:sp>
+        <p:nvSpPr>
+          <p:cNvPr id="4" name="Footer Placeholder 3">
+            <a:extLst>
+              <a:ext uri="{FF2B5EF4-FFF2-40B4-BE49-F238E27FC236}">
+                <a16:creationId xmlns:a16="http://schemas.microsoft.com/office/drawing/2014/main" id="{3320B747-F760-DF41-8012-B4F580B57FE4}"/>
+              </a:ext>
+            </a:extLst>
+          </p:cNvPr>
+          <p:cNvSpPr>
+            <a:spLocks noGrp="1"/>
+          </p:cNvSpPr>
+          <p:nvPr>
+            <p:ph type="ftr" sz="quarter" idx="11"/>
+          </p:nvPr>
+        </p:nvSpPr>
+        <p:spPr/>
+        <p:txBody>
+          <a:bodyPr/>
+          <a:lstStyle/>
+          <a:p>
+            <a:r>
+              <a:rPr lang="en-US"/>
+              <a:t>Dan Aprahamian</a:t>
             </a:r>
           </a:p>
         </p:txBody>
@@ -22080,6 +22830,34 @@
           </a:p>
         </p:txBody>
       </p:sp>
+      <p:sp>
+        <p:nvSpPr>
+          <p:cNvPr id="3" name="Footer Placeholder 2">
+            <a:extLst>
+              <a:ext uri="{FF2B5EF4-FFF2-40B4-BE49-F238E27FC236}">
+                <a16:creationId xmlns:a16="http://schemas.microsoft.com/office/drawing/2014/main" id="{D8C911FA-7118-7543-A043-FD26853311BA}"/>
+              </a:ext>
+            </a:extLst>
+          </p:cNvPr>
+          <p:cNvSpPr>
+            <a:spLocks noGrp="1"/>
+          </p:cNvSpPr>
+          <p:nvPr>
+            <p:ph type="ftr" sz="quarter" idx="11"/>
+          </p:nvPr>
+        </p:nvSpPr>
+        <p:spPr/>
+        <p:txBody>
+          <a:bodyPr/>
+          <a:lstStyle/>
+          <a:p>
+            <a:r>
+              <a:rPr lang="en-US"/>
+              <a:t>Dan Aprahamian</a:t>
+            </a:r>
+          </a:p>
+        </p:txBody>
+      </p:sp>
     </p:spTree>
     <p:extLst>
       <p:ext uri="{BB962C8B-B14F-4D97-AF65-F5344CB8AC3E}">
@@ -22194,6 +22972,34 @@
           </a:p>
         </p:txBody>
       </p:sp>
+      <p:sp>
+        <p:nvSpPr>
+          <p:cNvPr id="4" name="Footer Placeholder 3">
+            <a:extLst>
+              <a:ext uri="{FF2B5EF4-FFF2-40B4-BE49-F238E27FC236}">
+                <a16:creationId xmlns:a16="http://schemas.microsoft.com/office/drawing/2014/main" id="{D3E3A195-A835-2849-9716-43B79863AC20}"/>
+              </a:ext>
+            </a:extLst>
+          </p:cNvPr>
+          <p:cNvSpPr>
+            <a:spLocks noGrp="1"/>
+          </p:cNvSpPr>
+          <p:nvPr>
+            <p:ph type="ftr" sz="quarter" idx="11"/>
+          </p:nvPr>
+        </p:nvSpPr>
+        <p:spPr/>
+        <p:txBody>
+          <a:bodyPr/>
+          <a:lstStyle/>
+          <a:p>
+            <a:r>
+              <a:rPr lang="en-US"/>
+              <a:t>Dan Aprahamian</a:t>
+            </a:r>
+          </a:p>
+        </p:txBody>
+      </p:sp>
     </p:spTree>
     <p:extLst>
       <p:ext uri="{BB962C8B-B14F-4D97-AF65-F5344CB8AC3E}">
@@ -22260,6 +23066,34 @@
           </a:p>
         </p:txBody>
       </p:sp>
+      <p:sp>
+        <p:nvSpPr>
+          <p:cNvPr id="3" name="Footer Placeholder 2">
+            <a:extLst>
+              <a:ext uri="{FF2B5EF4-FFF2-40B4-BE49-F238E27FC236}">
+                <a16:creationId xmlns:a16="http://schemas.microsoft.com/office/drawing/2014/main" id="{9AD2664B-02CF-3B41-B05E-8932D999D24B}"/>
+              </a:ext>
+            </a:extLst>
+          </p:cNvPr>
+          <p:cNvSpPr>
+            <a:spLocks noGrp="1"/>
+          </p:cNvSpPr>
+          <p:nvPr>
+            <p:ph type="ftr" sz="quarter" idx="11"/>
+          </p:nvPr>
+        </p:nvSpPr>
+        <p:spPr/>
+        <p:txBody>
+          <a:bodyPr/>
+          <a:lstStyle/>
+          <a:p>
+            <a:r>
+              <a:rPr lang="en-US"/>
+              <a:t>Dan Aprahamian</a:t>
+            </a:r>
+          </a:p>
+        </p:txBody>
+      </p:sp>
     </p:spTree>
     <p:extLst>
       <p:ext uri="{BB962C8B-B14F-4D97-AF65-F5344CB8AC3E}">
@@ -22360,6 +23194,34 @@
           </a:p>
         </p:txBody>
       </p:sp>
+      <p:sp>
+        <p:nvSpPr>
+          <p:cNvPr id="4" name="Footer Placeholder 3">
+            <a:extLst>
+              <a:ext uri="{FF2B5EF4-FFF2-40B4-BE49-F238E27FC236}">
+                <a16:creationId xmlns:a16="http://schemas.microsoft.com/office/drawing/2014/main" id="{6EE0CE70-9094-5147-95AE-5719E14F9CE4}"/>
+              </a:ext>
+            </a:extLst>
+          </p:cNvPr>
+          <p:cNvSpPr>
+            <a:spLocks noGrp="1"/>
+          </p:cNvSpPr>
+          <p:nvPr>
+            <p:ph type="ftr" sz="quarter" idx="11"/>
+          </p:nvPr>
+        </p:nvSpPr>
+        <p:spPr/>
+        <p:txBody>
+          <a:bodyPr/>
+          <a:lstStyle/>
+          <a:p>
+            <a:r>
+              <a:rPr lang="en-US"/>
+              <a:t>Dan Aprahamian</a:t>
+            </a:r>
+          </a:p>
+        </p:txBody>
+      </p:sp>
     </p:spTree>
     <p:extLst>
       <p:ext uri="{BB962C8B-B14F-4D97-AF65-F5344CB8AC3E}">
@@ -22553,6 +23415,34 @@
           </a:p>
         </p:txBody>
       </p:sp>
+      <p:sp>
+        <p:nvSpPr>
+          <p:cNvPr id="4" name="Footer Placeholder 3">
+            <a:extLst>
+              <a:ext uri="{FF2B5EF4-FFF2-40B4-BE49-F238E27FC236}">
+                <a16:creationId xmlns:a16="http://schemas.microsoft.com/office/drawing/2014/main" id="{111044C2-C61B-4547-A535-6491C2173647}"/>
+              </a:ext>
+            </a:extLst>
+          </p:cNvPr>
+          <p:cNvSpPr>
+            <a:spLocks noGrp="1"/>
+          </p:cNvSpPr>
+          <p:nvPr>
+            <p:ph type="ftr" sz="quarter" idx="11"/>
+          </p:nvPr>
+        </p:nvSpPr>
+        <p:spPr/>
+        <p:txBody>
+          <a:bodyPr/>
+          <a:lstStyle/>
+          <a:p>
+            <a:r>
+              <a:rPr lang="en-US"/>
+              <a:t>Dan Aprahamian</a:t>
+            </a:r>
+          </a:p>
+        </p:txBody>
+      </p:sp>
     </p:spTree>
     <p:extLst>
       <p:ext uri="{BB962C8B-B14F-4D97-AF65-F5344CB8AC3E}">
@@ -22611,6 +23501,34 @@
           </a:p>
         </p:txBody>
       </p:sp>
+      <p:sp>
+        <p:nvSpPr>
+          <p:cNvPr id="3" name="Footer Placeholder 2">
+            <a:extLst>
+              <a:ext uri="{FF2B5EF4-FFF2-40B4-BE49-F238E27FC236}">
+                <a16:creationId xmlns:a16="http://schemas.microsoft.com/office/drawing/2014/main" id="{3728C1CB-2A7B-F74D-800D-2D149461A8D3}"/>
+              </a:ext>
+            </a:extLst>
+          </p:cNvPr>
+          <p:cNvSpPr>
+            <a:spLocks noGrp="1"/>
+          </p:cNvSpPr>
+          <p:nvPr>
+            <p:ph type="ftr" sz="quarter" idx="11"/>
+          </p:nvPr>
+        </p:nvSpPr>
+        <p:spPr/>
+        <p:txBody>
+          <a:bodyPr/>
+          <a:lstStyle/>
+          <a:p>
+            <a:r>
+              <a:rPr lang="en-US"/>
+              <a:t>Dan Aprahamian</a:t>
+            </a:r>
+          </a:p>
+        </p:txBody>
+      </p:sp>
     </p:spTree>
     <p:extLst>
       <p:ext uri="{BB962C8B-B14F-4D97-AF65-F5344CB8AC3E}">
@@ -22744,6 +23662,34 @@
             <a:r>
               <a:rPr lang="en-US" dirty="0"/>
               <a:t>	</a:t>
+            </a:r>
+          </a:p>
+        </p:txBody>
+      </p:sp>
+      <p:sp>
+        <p:nvSpPr>
+          <p:cNvPr id="4" name="Footer Placeholder 3">
+            <a:extLst>
+              <a:ext uri="{FF2B5EF4-FFF2-40B4-BE49-F238E27FC236}">
+                <a16:creationId xmlns:a16="http://schemas.microsoft.com/office/drawing/2014/main" id="{AC08F24E-8CD3-0243-B883-6280D485828C}"/>
+              </a:ext>
+            </a:extLst>
+          </p:cNvPr>
+          <p:cNvSpPr>
+            <a:spLocks noGrp="1"/>
+          </p:cNvSpPr>
+          <p:nvPr>
+            <p:ph type="ftr" sz="quarter" idx="11"/>
+          </p:nvPr>
+        </p:nvSpPr>
+        <p:spPr/>
+        <p:txBody>
+          <a:bodyPr/>
+          <a:lstStyle/>
+          <a:p>
+            <a:r>
+              <a:rPr lang="en-US"/>
+              <a:t>Dan Aprahamian</a:t>
             </a:r>
           </a:p>
         </p:txBody>
@@ -23304,6 +24250,34 @@
             <a:r>
               <a:rPr lang="en-US" sz="2800" dirty="0"/>
               <a:t>Independent Booleans</a:t>
+            </a:r>
+          </a:p>
+        </p:txBody>
+      </p:sp>
+      <p:sp>
+        <p:nvSpPr>
+          <p:cNvPr id="4" name="Footer Placeholder 3">
+            <a:extLst>
+              <a:ext uri="{FF2B5EF4-FFF2-40B4-BE49-F238E27FC236}">
+                <a16:creationId xmlns:a16="http://schemas.microsoft.com/office/drawing/2014/main" id="{1B14307C-098F-EC4C-8AE4-DDC1C4CA3A5D}"/>
+              </a:ext>
+            </a:extLst>
+          </p:cNvPr>
+          <p:cNvSpPr>
+            <a:spLocks noGrp="1"/>
+          </p:cNvSpPr>
+          <p:nvPr>
+            <p:ph type="ftr" sz="quarter" idx="11"/>
+          </p:nvPr>
+        </p:nvSpPr>
+        <p:spPr/>
+        <p:txBody>
+          <a:bodyPr/>
+          <a:lstStyle/>
+          <a:p>
+            <a:r>
+              <a:rPr lang="en-US"/>
+              <a:t>Dan Aprahamian</a:t>
             </a:r>
           </a:p>
         </p:txBody>
@@ -23769,6 +24743,34 @@
           </a:p>
         </p:txBody>
       </p:sp>
+      <p:sp>
+        <p:nvSpPr>
+          <p:cNvPr id="4" name="Footer Placeholder 3">
+            <a:extLst>
+              <a:ext uri="{FF2B5EF4-FFF2-40B4-BE49-F238E27FC236}">
+                <a16:creationId xmlns:a16="http://schemas.microsoft.com/office/drawing/2014/main" id="{E3B3E5F9-366E-3345-B405-A4974B7179B4}"/>
+              </a:ext>
+            </a:extLst>
+          </p:cNvPr>
+          <p:cNvSpPr>
+            <a:spLocks noGrp="1"/>
+          </p:cNvSpPr>
+          <p:nvPr>
+            <p:ph type="ftr" sz="quarter" idx="11"/>
+          </p:nvPr>
+        </p:nvSpPr>
+        <p:spPr/>
+        <p:txBody>
+          <a:bodyPr/>
+          <a:lstStyle/>
+          <a:p>
+            <a:r>
+              <a:rPr lang="en-US"/>
+              <a:t>Dan Aprahamian</a:t>
+            </a:r>
+          </a:p>
+        </p:txBody>
+      </p:sp>
     </p:spTree>
     <p:extLst>
       <p:ext uri="{BB962C8B-B14F-4D97-AF65-F5344CB8AC3E}">
@@ -24115,6 +25117,34 @@
                 <a:latin typeface="Andale Mono" panose="020B0509000000000004" pitchFamily="49" charset="0"/>
               </a:rPr>
               <a:t>NOT x (Two’s Compliment)	     -7</a:t>
+            </a:r>
+          </a:p>
+        </p:txBody>
+      </p:sp>
+      <p:sp>
+        <p:nvSpPr>
+          <p:cNvPr id="4" name="Footer Placeholder 3">
+            <a:extLst>
+              <a:ext uri="{FF2B5EF4-FFF2-40B4-BE49-F238E27FC236}">
+                <a16:creationId xmlns:a16="http://schemas.microsoft.com/office/drawing/2014/main" id="{FE9CF11C-2360-0749-82DD-27C42FAF8D4C}"/>
+              </a:ext>
+            </a:extLst>
+          </p:cNvPr>
+          <p:cNvSpPr>
+            <a:spLocks noGrp="1"/>
+          </p:cNvSpPr>
+          <p:nvPr>
+            <p:ph type="ftr" sz="quarter" idx="11"/>
+          </p:nvPr>
+        </p:nvSpPr>
+        <p:spPr/>
+        <p:txBody>
+          <a:bodyPr/>
+          <a:lstStyle/>
+          <a:p>
+            <a:r>
+              <a:rPr lang="en-US"/>
+              <a:t>Dan Aprahamian</a:t>
             </a:r>
           </a:p>
         </p:txBody>
@@ -24622,6 +25652,34 @@
                 <a:latin typeface="Andale Mono" panose="020B0509000000000004" pitchFamily="49" charset="0"/>
               </a:rPr>
               <a:t>x AND y					      4</a:t>
+            </a:r>
+          </a:p>
+        </p:txBody>
+      </p:sp>
+      <p:sp>
+        <p:nvSpPr>
+          <p:cNvPr id="4" name="Footer Placeholder 3">
+            <a:extLst>
+              <a:ext uri="{FF2B5EF4-FFF2-40B4-BE49-F238E27FC236}">
+                <a16:creationId xmlns:a16="http://schemas.microsoft.com/office/drawing/2014/main" id="{A78CD830-2FF6-B240-B07F-863FC5BC2575}"/>
+              </a:ext>
+            </a:extLst>
+          </p:cNvPr>
+          <p:cNvSpPr>
+            <a:spLocks noGrp="1"/>
+          </p:cNvSpPr>
+          <p:nvPr>
+            <p:ph type="ftr" sz="quarter" idx="11"/>
+          </p:nvPr>
+        </p:nvSpPr>
+        <p:spPr/>
+        <p:txBody>
+          <a:bodyPr/>
+          <a:lstStyle/>
+          <a:p>
+            <a:r>
+              <a:rPr lang="en-US"/>
+              <a:t>Dan Aprahamian</a:t>
             </a:r>
           </a:p>
         </p:txBody>
@@ -25143,6 +26201,34 @@
               <a:buNone/>
             </a:pPr>
             <a:endParaRPr lang="en-US" dirty="0"/>
+          </a:p>
+        </p:txBody>
+      </p:sp>
+      <p:sp>
+        <p:nvSpPr>
+          <p:cNvPr id="4" name="Footer Placeholder 3">
+            <a:extLst>
+              <a:ext uri="{FF2B5EF4-FFF2-40B4-BE49-F238E27FC236}">
+                <a16:creationId xmlns:a16="http://schemas.microsoft.com/office/drawing/2014/main" id="{1D7991AC-2166-184C-B7B8-CFE2BB186ED1}"/>
+              </a:ext>
+            </a:extLst>
+          </p:cNvPr>
+          <p:cNvSpPr>
+            <a:spLocks noGrp="1"/>
+          </p:cNvSpPr>
+          <p:nvPr>
+            <p:ph type="ftr" sz="quarter" idx="11"/>
+          </p:nvPr>
+        </p:nvSpPr>
+        <p:spPr/>
+        <p:txBody>
+          <a:bodyPr/>
+          <a:lstStyle/>
+          <a:p>
+            <a:r>
+              <a:rPr lang="en-US"/>
+              <a:t>Dan Aprahamian</a:t>
+            </a:r>
           </a:p>
         </p:txBody>
       </p:sp>
